--- a/part2/stage3_StructuredData/6월 13일 그래프 과제/황성윤.pptx
+++ b/part2/stage3_StructuredData/6월 13일 그래프 과제/황성윤.pptx
@@ -118,6 +118,22 @@
       </a:defRPr>
     </a:lvl9pPr>
   </p:defaultTextStyle>
+  <p:extLst>
+    <p:ext uri="{EFAFB233-063F-42B5-8137-9DF3F51BA10A}">
+      <p15:sldGuideLst xmlns:p15="http://schemas.microsoft.com/office/powerpoint/2012/main">
+        <p15:guide id="1" orient="horz" pos="2160">
+          <p15:clr>
+            <a:srgbClr val="A4A3A4"/>
+          </p15:clr>
+        </p15:guide>
+        <p15:guide id="2" pos="2880">
+          <p15:clr>
+            <a:srgbClr val="A4A3A4"/>
+          </p15:clr>
+        </p15:guide>
+      </p15:sldGuideLst>
+    </p:ext>
+  </p:extLst>
 </p:presentation>
 </file>
 
@@ -4533,20 +4549,6 @@
             </a:r>
             <a:r>
               <a:rPr lang="en-US" altLang="ko-KR" dirty="0" err="1"/>
-              <a:t>geom_bar</a:t>
-            </a:r>
-            <a:r>
-              <a:rPr lang="en-US" altLang="ko-KR" dirty="0"/>
-              <a:t>(stat="identity") +</a:t>
-            </a:r>
-          </a:p>
-          <a:p>
-            <a:r>
-              <a:rPr lang="en-US" altLang="ko-KR" dirty="0"/>
-              <a:t>  </a:t>
-            </a:r>
-            <a:r>
-              <a:rPr lang="en-US" altLang="ko-KR" dirty="0" err="1"/>
               <a:t>facet_wrap</a:t>
             </a:r>
             <a:r>
@@ -4559,7 +4561,35 @@
             </a:r>
             <a:r>
               <a:rPr lang="en-US" altLang="ko-KR" dirty="0"/>
-              <a:t>) + </a:t>
+              <a:t>) +</a:t>
+            </a:r>
+          </a:p>
+          <a:p>
+            <a:r>
+              <a:rPr lang="en-US" altLang="ko-KR" dirty="0"/>
+              <a:t>  </a:t>
+            </a:r>
+            <a:r>
+              <a:rPr lang="en-US" altLang="ko-KR" dirty="0" err="1"/>
+              <a:t>geom_bar</a:t>
+            </a:r>
+            <a:r>
+              <a:rPr lang="en-US" altLang="ko-KR" dirty="0"/>
+              <a:t>(stat="</a:t>
+            </a:r>
+            <a:r>
+              <a:rPr lang="en-US" altLang="ko-KR" dirty="0" err="1"/>
+              <a:t>identity",position</a:t>
+            </a:r>
+            <a:r>
+              <a:rPr lang="en-US" altLang="ko-KR" dirty="0"/>
+              <a:t>="dodge") +</a:t>
+            </a:r>
+          </a:p>
+          <a:p>
+            <a:r>
+              <a:rPr lang="en-US" altLang="ko-KR" dirty="0"/>
+              <a:t>  </a:t>
             </a:r>
             <a:r>
               <a:rPr lang="en-US" altLang="ko-KR" dirty="0" err="1"/>
@@ -4567,7 +4597,7 @@
             </a:r>
             <a:r>
               <a:rPr lang="en-US" altLang="ko-KR" dirty="0"/>
-              <a:t>(theta="y") +</a:t>
+              <a:t>() +</a:t>
             </a:r>
           </a:p>
           <a:p>
@@ -4663,7 +4693,7 @@
           <a:p>
             <a:r>
               <a:rPr lang="en-US" altLang="ko-KR" dirty="0"/>
-              <a:t>    face="bold",</a:t>
+              <a:t>                                face="bold",</a:t>
             </a:r>
             <a:r>
               <a:rPr lang="en-US" altLang="ko-KR" dirty="0" err="1"/>
@@ -4736,7 +4766,7 @@
       </p:sp>
       <p:pic>
         <p:nvPicPr>
-          <p:cNvPr id="4" name="내용 개체 틀 3"/>
+          <p:cNvPr id="5" name="내용 개체 틀 4"/>
           <p:cNvPicPr>
             <a:picLocks noGrp="1" noChangeAspect="1"/>
           </p:cNvPicPr>
@@ -4758,8 +4788,8 @@
         </p:blipFill>
         <p:spPr>
           <a:xfrm>
-            <a:off x="457200" y="1856899"/>
-            <a:ext cx="8229600" cy="4363402"/>
+            <a:off x="457200" y="2457994"/>
+            <a:ext cx="8229600" cy="3161211"/>
           </a:xfrm>
         </p:spPr>
       </p:pic>

--- a/part2/stage3_StructuredData/6월 13일 그래프 과제/황성윤.pptx
+++ b/part2/stage3_StructuredData/6월 13일 그래프 과제/황성윤.pptx
@@ -120,7 +120,7 @@
   </p:defaultTextStyle>
   <p:extLst>
     <p:ext uri="{EFAFB233-063F-42B5-8137-9DF3F51BA10A}">
-      <p15:sldGuideLst xmlns:p15="http://schemas.microsoft.com/office/powerpoint/2012/main">
+      <p15:sldGuideLst xmlns:p15="http://schemas.microsoft.com/office/powerpoint/2012/main" xmlns="">
         <p15:guide id="1" orient="horz" pos="2160">
           <p15:clr>
             <a:srgbClr val="A4A3A4"/>
@@ -325,7 +325,7 @@
           <a:p>
             <a:fld id="{346B5CCB-A703-45CC-AAAA-283ED022E36A}" type="datetimeFigureOut">
               <a:rPr lang="ko-KR" altLang="en-US" smtClean="0"/>
-              <a:t>2019-06-13</a:t>
+              <a:t>2019-06-14</a:t>
             </a:fld>
             <a:endParaRPr lang="ko-KR" altLang="en-US"/>
           </a:p>
@@ -525,7 +525,7 @@
           <a:p>
             <a:fld id="{346B5CCB-A703-45CC-AAAA-283ED022E36A}" type="datetimeFigureOut">
               <a:rPr lang="ko-KR" altLang="en-US" smtClean="0"/>
-              <a:t>2019-06-13</a:t>
+              <a:t>2019-06-14</a:t>
             </a:fld>
             <a:endParaRPr lang="ko-KR" altLang="en-US"/>
           </a:p>
@@ -700,7 +700,7 @@
           <a:p>
             <a:fld id="{346B5CCB-A703-45CC-AAAA-283ED022E36A}" type="datetimeFigureOut">
               <a:rPr lang="ko-KR" altLang="en-US" smtClean="0"/>
-              <a:t>2019-06-13</a:t>
+              <a:t>2019-06-14</a:t>
             </a:fld>
             <a:endParaRPr lang="ko-KR" altLang="en-US"/>
           </a:p>
@@ -865,7 +865,7 @@
           <a:p>
             <a:fld id="{346B5CCB-A703-45CC-AAAA-283ED022E36A}" type="datetimeFigureOut">
               <a:rPr lang="ko-KR" altLang="en-US" smtClean="0"/>
-              <a:t>2019-06-13</a:t>
+              <a:t>2019-06-14</a:t>
             </a:fld>
             <a:endParaRPr lang="ko-KR" altLang="en-US"/>
           </a:p>
@@ -1113,7 +1113,7 @@
           <a:p>
             <a:fld id="{346B5CCB-A703-45CC-AAAA-283ED022E36A}" type="datetimeFigureOut">
               <a:rPr lang="ko-KR" altLang="en-US" smtClean="0"/>
-              <a:t>2019-06-13</a:t>
+              <a:t>2019-06-14</a:t>
             </a:fld>
             <a:endParaRPr lang="ko-KR" altLang="en-US"/>
           </a:p>
@@ -1431,7 +1431,7 @@
           <a:p>
             <a:fld id="{346B5CCB-A703-45CC-AAAA-283ED022E36A}" type="datetimeFigureOut">
               <a:rPr lang="ko-KR" altLang="en-US" smtClean="0"/>
-              <a:t>2019-06-13</a:t>
+              <a:t>2019-06-14</a:t>
             </a:fld>
             <a:endParaRPr lang="ko-KR" altLang="en-US"/>
           </a:p>
@@ -1897,7 +1897,7 @@
           <a:p>
             <a:fld id="{346B5CCB-A703-45CC-AAAA-283ED022E36A}" type="datetimeFigureOut">
               <a:rPr lang="ko-KR" altLang="en-US" smtClean="0"/>
-              <a:t>2019-06-13</a:t>
+              <a:t>2019-06-14</a:t>
             </a:fld>
             <a:endParaRPr lang="ko-KR" altLang="en-US"/>
           </a:p>
@@ -2045,7 +2045,7 @@
           <a:p>
             <a:fld id="{346B5CCB-A703-45CC-AAAA-283ED022E36A}" type="datetimeFigureOut">
               <a:rPr lang="ko-KR" altLang="en-US" smtClean="0"/>
-              <a:t>2019-06-13</a:t>
+              <a:t>2019-06-14</a:t>
             </a:fld>
             <a:endParaRPr lang="ko-KR" altLang="en-US"/>
           </a:p>
@@ -2135,7 +2135,7 @@
           <a:p>
             <a:fld id="{346B5CCB-A703-45CC-AAAA-283ED022E36A}" type="datetimeFigureOut">
               <a:rPr lang="ko-KR" altLang="en-US" smtClean="0"/>
-              <a:t>2019-06-13</a:t>
+              <a:t>2019-06-14</a:t>
             </a:fld>
             <a:endParaRPr lang="ko-KR" altLang="en-US"/>
           </a:p>
@@ -2409,7 +2409,7 @@
           <a:p>
             <a:fld id="{346B5CCB-A703-45CC-AAAA-283ED022E36A}" type="datetimeFigureOut">
               <a:rPr lang="ko-KR" altLang="en-US" smtClean="0"/>
-              <a:t>2019-06-13</a:t>
+              <a:t>2019-06-14</a:t>
             </a:fld>
             <a:endParaRPr lang="ko-KR" altLang="en-US"/>
           </a:p>
@@ -2714,7 +2714,7 @@
           <a:p>
             <a:fld id="{346B5CCB-A703-45CC-AAAA-283ED022E36A}" type="datetimeFigureOut">
               <a:rPr lang="ko-KR" altLang="en-US" smtClean="0"/>
-              <a:t>2019-06-13</a:t>
+              <a:t>2019-06-14</a:t>
             </a:fld>
             <a:endParaRPr lang="ko-KR" altLang="en-US"/>
           </a:p>
@@ -3012,7 +3012,7 @@
           <a:p>
             <a:fld id="{346B5CCB-A703-45CC-AAAA-283ED022E36A}" type="datetimeFigureOut">
               <a:rPr lang="ko-KR" altLang="en-US" smtClean="0"/>
-              <a:t>2019-06-13</a:t>
+              <a:t>2019-06-14</a:t>
             </a:fld>
             <a:endParaRPr lang="ko-KR" altLang="en-US"/>
           </a:p>
@@ -4766,7 +4766,7 @@
       </p:sp>
       <p:pic>
         <p:nvPicPr>
-          <p:cNvPr id="5" name="내용 개체 틀 4"/>
+          <p:cNvPr id="4" name="내용 개체 틀 3"/>
           <p:cNvPicPr>
             <a:picLocks noGrp="1" noChangeAspect="1"/>
           </p:cNvPicPr>
@@ -4788,8 +4788,8 @@
         </p:blipFill>
         <p:spPr>
           <a:xfrm>
-            <a:off x="457200" y="2457994"/>
-            <a:ext cx="8229600" cy="3161211"/>
+            <a:off x="457200" y="1856899"/>
+            <a:ext cx="8229600" cy="4363402"/>
           </a:xfrm>
         </p:spPr>
       </p:pic>
